--- a/Group 10.pptx
+++ b/Group 10.pptx
@@ -7024,7 +7024,7 @@
                   </a:schemeClr>
                 </a:solidFill>
               </a:rPr>
-              <a:t>II. Data Preparation</a:t>
+              <a:t>II. Data Understanding &amp; Preparation</a:t>
             </a:r>
           </a:p>
           <a:p>
@@ -7294,7 +7294,7 @@
                   </a:schemeClr>
                 </a:solidFill>
               </a:rPr>
-              <a:t>II. Data Preparation</a:t>
+              <a:t>II. Data Understanding &amp; Preparation</a:t>
             </a:r>
           </a:p>
           <a:p>
@@ -7641,7 +7641,7 @@
                   </a:schemeClr>
                 </a:solidFill>
               </a:rPr>
-              <a:t>II. Data Preparation</a:t>
+              <a:t>II. Data Understanding &amp; Preparation</a:t>
             </a:r>
           </a:p>
           <a:p>
@@ -8083,7 +8083,7 @@
             </a:pPr>
             <a:r>
               <a:rPr lang="en-US" b="1" dirty="0"/>
-              <a:t>II. Data Preparation</a:t>
+              <a:t>II. Data Understanding &amp; Preparation</a:t>
             </a:r>
           </a:p>
           <a:p>
@@ -8442,7 +8442,7 @@
                   </a:schemeClr>
                 </a:solidFill>
               </a:rPr>
-              <a:t>II. Data Preparation</a:t>
+              <a:t>II. Data Understanding &amp; Preparation</a:t>
             </a:r>
           </a:p>
           <a:p>
